--- a/docs/img/signa.pptx
+++ b/docs/img/signa.pptx
@@ -10528,7 +10528,7 @@
           <a:p>
             <a:fld id="{6A4B53A7-3209-46A6-9454-F38EAC8F11E7}" type="datetimeFigureOut">
               <a:rPr lang="en-US" smtClean="0"/>
-              <a:t>7/2/22</a:t>
+              <a:t>1/6/24</a:t>
             </a:fld>
             <a:endParaRPr lang="en-US"/>
           </a:p>
@@ -10779,7 +10779,7 @@
           <a:p>
             <a:fld id="{6A4B53A7-3209-46A6-9454-F38EAC8F11E7}" type="datetimeFigureOut">
               <a:rPr lang="en-US" smtClean="0"/>
-              <a:t>7/2/22</a:t>
+              <a:t>1/6/24</a:t>
             </a:fld>
             <a:endParaRPr lang="en-US"/>
           </a:p>
@@ -11040,7 +11040,7 @@
           <a:p>
             <a:fld id="{6A4B53A7-3209-46A6-9454-F38EAC8F11E7}" type="datetimeFigureOut">
               <a:rPr lang="en-US" smtClean="0"/>
-              <a:t>7/2/22</a:t>
+              <a:t>1/6/24</a:t>
             </a:fld>
             <a:endParaRPr lang="en-US"/>
           </a:p>
@@ -11291,7 +11291,7 @@
           <a:p>
             <a:fld id="{6A4B53A7-3209-46A6-9454-F38EAC8F11E7}" type="datetimeFigureOut">
               <a:rPr lang="en-US" smtClean="0"/>
-              <a:t>7/2/22</a:t>
+              <a:t>1/6/24</a:t>
             </a:fld>
             <a:endParaRPr lang="en-US"/>
           </a:p>
@@ -11619,7 +11619,7 @@
           <a:p>
             <a:fld id="{6A4B53A7-3209-46A6-9454-F38EAC8F11E7}" type="datetimeFigureOut">
               <a:rPr lang="en-US" smtClean="0"/>
-              <a:t>7/2/22</a:t>
+              <a:t>1/6/24</a:t>
             </a:fld>
             <a:endParaRPr lang="en-US"/>
           </a:p>
@@ -11937,7 +11937,7 @@
           <a:p>
             <a:fld id="{6A4B53A7-3209-46A6-9454-F38EAC8F11E7}" type="datetimeFigureOut">
               <a:rPr lang="en-US" smtClean="0"/>
-              <a:t>7/2/22</a:t>
+              <a:t>1/6/24</a:t>
             </a:fld>
             <a:endParaRPr lang="en-US"/>
           </a:p>
@@ -12402,7 +12402,7 @@
           <a:p>
             <a:fld id="{6A4B53A7-3209-46A6-9454-F38EAC8F11E7}" type="datetimeFigureOut">
               <a:rPr lang="en-US" smtClean="0"/>
-              <a:t>7/2/22</a:t>
+              <a:t>1/6/24</a:t>
             </a:fld>
             <a:endParaRPr lang="en-US"/>
           </a:p>
@@ -12596,7 +12596,7 @@
           <a:p>
             <a:fld id="{6A4B53A7-3209-46A6-9454-F38EAC8F11E7}" type="datetimeFigureOut">
               <a:rPr lang="en-US" smtClean="0"/>
-              <a:t>7/2/22</a:t>
+              <a:t>1/6/24</a:t>
             </a:fld>
             <a:endParaRPr lang="en-US"/>
           </a:p>
@@ -12762,7 +12762,7 @@
           <a:p>
             <a:fld id="{6A4B53A7-3209-46A6-9454-F38EAC8F11E7}" type="datetimeFigureOut">
               <a:rPr lang="en-US" smtClean="0"/>
-              <a:t>7/2/22</a:t>
+              <a:t>1/6/24</a:t>
             </a:fld>
             <a:endParaRPr lang="en-US"/>
           </a:p>
@@ -13126,7 +13126,7 @@
           <a:p>
             <a:fld id="{6A4B53A7-3209-46A6-9454-F38EAC8F11E7}" type="datetimeFigureOut">
               <a:rPr lang="en-US" smtClean="0"/>
-              <a:t>7/2/22</a:t>
+              <a:t>1/6/24</a:t>
             </a:fld>
             <a:endParaRPr lang="en-US"/>
           </a:p>
@@ -13470,7 +13470,7 @@
           <a:p>
             <a:fld id="{6A4B53A7-3209-46A6-9454-F38EAC8F11E7}" type="datetimeFigureOut">
               <a:rPr lang="en-US" smtClean="0"/>
-              <a:t>7/2/22</a:t>
+              <a:t>1/6/24</a:t>
             </a:fld>
             <a:endParaRPr lang="en-US"/>
           </a:p>
@@ -13765,7 +13765,7 @@
             <a:fld id="{6A4B53A7-3209-46A6-9454-F38EAC8F11E7}" type="datetimeFigureOut">
               <a:rPr lang="en-US" smtClean="0"/>
               <a:pPr/>
-              <a:t>7/2/22</a:t>
+              <a:t>1/6/24</a:t>
             </a:fld>
             <a:endParaRPr lang="en-US" dirty="0"/>
           </a:p>
@@ -15147,7 +15147,7 @@
         <p:spPr>
           <a:xfrm>
             <a:off x="4713479" y="5664002"/>
-            <a:ext cx="982961" cy="553998"/>
+            <a:ext cx="1294200" cy="553998"/>
           </a:xfrm>
           <a:prstGeom prst="rect">
             <a:avLst/>
@@ -15166,7 +15166,7 @@
                   <a:schemeClr val="accent1"/>
                 </a:solidFill>
               </a:rPr>
-              <a:t>alpha</a:t>
+              <a:t>Library</a:t>
             </a:r>
           </a:p>
         </p:txBody>
